--- a/Sem 2/Big Data for Data Science/Lectures/Lecture 11 - Delta Lake.pptx
+++ b/Sem 2/Big Data for Data Science/Lectures/Lecture 11 - Delta Lake.pptx
@@ -5,34 +5,32 @@
     <p:sldMasterId id="2147483648" r:id="rId1"/>
   </p:sldMasterIdLst>
   <p:notesMasterIdLst>
-    <p:notesMasterId r:id="rId24"/>
+    <p:notesMasterId r:id="rId22"/>
   </p:notesMasterIdLst>
   <p:handoutMasterIdLst>
-    <p:handoutMasterId r:id="rId25"/>
+    <p:handoutMasterId r:id="rId23"/>
   </p:handoutMasterIdLst>
   <p:sldIdLst>
     <p:sldId id="669" r:id="rId2"/>
     <p:sldId id="1322" r:id="rId3"/>
-    <p:sldId id="1295" r:id="rId4"/>
-    <p:sldId id="1296" r:id="rId5"/>
-    <p:sldId id="1306" r:id="rId6"/>
-    <p:sldId id="1307" r:id="rId7"/>
-    <p:sldId id="1308" r:id="rId8"/>
-    <p:sldId id="1309" r:id="rId9"/>
-    <p:sldId id="1297" r:id="rId10"/>
-    <p:sldId id="1300" r:id="rId11"/>
-    <p:sldId id="1310" r:id="rId12"/>
-    <p:sldId id="1311" r:id="rId13"/>
-    <p:sldId id="1301" r:id="rId14"/>
-    <p:sldId id="1312" r:id="rId15"/>
-    <p:sldId id="1313" r:id="rId16"/>
-    <p:sldId id="1318" r:id="rId17"/>
-    <p:sldId id="1319" r:id="rId18"/>
-    <p:sldId id="1320" r:id="rId19"/>
-    <p:sldId id="1321" r:id="rId20"/>
-    <p:sldId id="1314" r:id="rId21"/>
-    <p:sldId id="1315" r:id="rId22"/>
-    <p:sldId id="1273" r:id="rId23"/>
+    <p:sldId id="1296" r:id="rId4"/>
+    <p:sldId id="1306" r:id="rId5"/>
+    <p:sldId id="1307" r:id="rId6"/>
+    <p:sldId id="1308" r:id="rId7"/>
+    <p:sldId id="1309" r:id="rId8"/>
+    <p:sldId id="1297" r:id="rId9"/>
+    <p:sldId id="1300" r:id="rId10"/>
+    <p:sldId id="1310" r:id="rId11"/>
+    <p:sldId id="1311" r:id="rId12"/>
+    <p:sldId id="1301" r:id="rId13"/>
+    <p:sldId id="1312" r:id="rId14"/>
+    <p:sldId id="1318" r:id="rId15"/>
+    <p:sldId id="1319" r:id="rId16"/>
+    <p:sldId id="1320" r:id="rId17"/>
+    <p:sldId id="1321" r:id="rId18"/>
+    <p:sldId id="1314" r:id="rId19"/>
+    <p:sldId id="1315" r:id="rId20"/>
+    <p:sldId id="1273" r:id="rId21"/>
   </p:sldIdLst>
   <p:sldSz cx="9144000" cy="6858000" type="screen4x3"/>
   <p:notesSz cx="7315200" cy="9601200"/>
@@ -194,14 +192,6 @@
 </p:presentation>
 </file>
 
-<file path=ppt/revisionInfo.xml><?xml version="1.0" encoding="utf-8"?>
-<p1510:revInfo xmlns:a="http://schemas.openxmlformats.org/drawingml/2006/main" xmlns:r="http://schemas.openxmlformats.org/officeDocument/2006/relationships" xmlns:p1510="http://schemas.microsoft.com/office/powerpoint/2015/10/main">
-  <p1510:revLst>
-    <p1510:client id="{07EE95CB-AB4F-46DD-A99D-FE3DAD7DE928}" v="1" dt="2023-02-27T02:40:02.314"/>
-  </p1510:revLst>
-</p1510:revInfo>
-</file>
-
 <file path=ppt/changesInfos/changesInfo1.xml><?xml version="1.0" encoding="utf-8"?>
 <pc:chgInfo xmlns:a="http://schemas.openxmlformats.org/drawingml/2006/main" xmlns:r="http://schemas.openxmlformats.org/officeDocument/2006/relationships" xmlns:ac="http://schemas.microsoft.com/office/drawing/2013/main/command" xmlns:pc="http://schemas.microsoft.com/office/powerpoint/2013/main/command">
   <pc:docChgLst>
@@ -284,7 +274,7 @@
   <pc:docChgLst>
     <pc:chgData name="Ai Xin" userId="4bcebb4d-661a-4357-8715-2999a08aa140" providerId="ADAL" clId="{07EE95CB-AB4F-46DD-A99D-FE3DAD7DE928}"/>
     <pc:docChg chg="undo redo custSel addSld delSld modSld sldOrd">
-      <pc:chgData name="Ai Xin" userId="4bcebb4d-661a-4357-8715-2999a08aa140" providerId="ADAL" clId="{07EE95CB-AB4F-46DD-A99D-FE3DAD7DE928}" dt="2023-02-27T02:40:39.797" v="1383" actId="20577"/>
+      <pc:chgData name="Ai Xin" userId="4bcebb4d-661a-4357-8715-2999a08aa140" providerId="ADAL" clId="{07EE95CB-AB4F-46DD-A99D-FE3DAD7DE928}" dt="2023-03-06T02:37:43.306" v="1390" actId="1076"/>
       <pc:docMkLst>
         <pc:docMk/>
       </pc:docMkLst>
@@ -939,8 +929,8 @@
           </ac:picMkLst>
         </pc:picChg>
       </pc:sldChg>
-      <pc:sldChg chg="addSp delSp modSp new mod">
-        <pc:chgData name="Ai Xin" userId="4bcebb4d-661a-4357-8715-2999a08aa140" providerId="ADAL" clId="{07EE95CB-AB4F-46DD-A99D-FE3DAD7DE928}" dt="2023-02-17T06:57:10.972" v="1145" actId="1076"/>
+      <pc:sldChg chg="addSp delSp modSp new add del mod">
+        <pc:chgData name="Ai Xin" userId="4bcebb4d-661a-4357-8715-2999a08aa140" providerId="ADAL" clId="{07EE95CB-AB4F-46DD-A99D-FE3DAD7DE928}" dt="2023-03-06T02:37:10.318" v="1385" actId="47"/>
         <pc:sldMkLst>
           <pc:docMk/>
           <pc:sldMk cId="724149218" sldId="1313"/>
@@ -1076,6 +1066,29 @@
           <pc:docMk/>
           <pc:sldMk cId="1179515280" sldId="1317"/>
         </pc:sldMkLst>
+      </pc:sldChg>
+      <pc:sldChg chg="modSp mod">
+        <pc:chgData name="Ai Xin" userId="4bcebb4d-661a-4357-8715-2999a08aa140" providerId="ADAL" clId="{07EE95CB-AB4F-46DD-A99D-FE3DAD7DE928}" dt="2023-03-06T02:37:43.306" v="1390" actId="1076"/>
+        <pc:sldMkLst>
+          <pc:docMk/>
+          <pc:sldMk cId="1917139361" sldId="1318"/>
+        </pc:sldMkLst>
+        <pc:picChg chg="mod">
+          <ac:chgData name="Ai Xin" userId="4bcebb4d-661a-4357-8715-2999a08aa140" providerId="ADAL" clId="{07EE95CB-AB4F-46DD-A99D-FE3DAD7DE928}" dt="2023-03-06T02:37:43.306" v="1390" actId="1076"/>
+          <ac:picMkLst>
+            <pc:docMk/>
+            <pc:sldMk cId="1917139361" sldId="1318"/>
+            <ac:picMk id="8" creationId="{36A0C8AB-F02B-F8E5-0A1E-20E08ADBD69D}"/>
+          </ac:picMkLst>
+        </pc:picChg>
+        <pc:picChg chg="mod">
+          <ac:chgData name="Ai Xin" userId="4bcebb4d-661a-4357-8715-2999a08aa140" providerId="ADAL" clId="{07EE95CB-AB4F-46DD-A99D-FE3DAD7DE928}" dt="2023-03-06T02:37:41.426" v="1389" actId="1076"/>
+          <ac:picMkLst>
+            <pc:docMk/>
+            <pc:sldMk cId="1917139361" sldId="1318"/>
+            <ac:picMk id="11" creationId="{62A4AEBC-59F7-9E13-FE21-3531E40FB3D8}"/>
+          </ac:picMkLst>
+        </pc:picChg>
       </pc:sldChg>
       <pc:sldChg chg="modSp add mod">
         <pc:chgData name="Ai Xin" userId="4bcebb4d-661a-4357-8715-2999a08aa140" providerId="ADAL" clId="{07EE95CB-AB4F-46DD-A99D-FE3DAD7DE928}" dt="2023-02-27T02:40:39.797" v="1383" actId="20577"/>
@@ -3802,6 +3815,29 @@
           </pc:sldLayoutMkLst>
         </pc:sldLayoutChg>
       </pc:sldMasterChg>
+    </pc:docChg>
+  </pc:docChgLst>
+  <pc:docChgLst>
+    <pc:chgData name="Ai Xin" userId="4bcebb4d-661a-4357-8715-2999a08aa140" providerId="ADAL" clId="{8DD6E8CD-2DFE-4D24-B4F7-A2A39E2AFDB0}"/>
+    <pc:docChg chg="delSld">
+      <pc:chgData name="Ai Xin" userId="4bcebb4d-661a-4357-8715-2999a08aa140" providerId="ADAL" clId="{8DD6E8CD-2DFE-4D24-B4F7-A2A39E2AFDB0}" dt="2023-03-30T01:19:42.666" v="1" actId="47"/>
+      <pc:docMkLst>
+        <pc:docMk/>
+      </pc:docMkLst>
+      <pc:sldChg chg="del">
+        <pc:chgData name="Ai Xin" userId="4bcebb4d-661a-4357-8715-2999a08aa140" providerId="ADAL" clId="{8DD6E8CD-2DFE-4D24-B4F7-A2A39E2AFDB0}" dt="2023-03-21T03:26:17.910" v="0" actId="47"/>
+        <pc:sldMkLst>
+          <pc:docMk/>
+          <pc:sldMk cId="2001820706" sldId="1295"/>
+        </pc:sldMkLst>
+      </pc:sldChg>
+      <pc:sldChg chg="del">
+        <pc:chgData name="Ai Xin" userId="4bcebb4d-661a-4357-8715-2999a08aa140" providerId="ADAL" clId="{8DD6E8CD-2DFE-4D24-B4F7-A2A39E2AFDB0}" dt="2023-03-30T01:19:42.666" v="1" actId="47"/>
+        <pc:sldMkLst>
+          <pc:docMk/>
+          <pc:sldMk cId="724149218" sldId="1313"/>
+        </pc:sldMkLst>
+      </pc:sldChg>
     </pc:docChg>
   </pc:docChgLst>
 </pc:chgInfo>
@@ -4689,7 +4725,7 @@
               <a:pPr>
                 <a:defRPr/>
               </a:pPr>
-              <a:t>19</a:t>
+              <a:t>17</a:t>
             </a:fld>
             <a:endParaRPr lang="en-US"/>
           </a:p>
@@ -4870,7 +4906,7 @@
               <a:pPr>
                 <a:defRPr/>
               </a:pPr>
-              <a:t>4</a:t>
+              <a:t>3</a:t>
             </a:fld>
             <a:endParaRPr lang="en-US"/>
           </a:p>
@@ -4964,7 +5000,7 @@
               <a:pPr>
                 <a:defRPr/>
               </a:pPr>
-              <a:t>5</a:t>
+              <a:t>4</a:t>
             </a:fld>
             <a:endParaRPr lang="en-US"/>
           </a:p>
@@ -5054,7 +5090,7 @@
               <a:pPr>
                 <a:defRPr/>
               </a:pPr>
-              <a:t>6</a:t>
+              <a:t>5</a:t>
             </a:fld>
             <a:endParaRPr lang="en-US"/>
           </a:p>
@@ -5238,7 +5274,7 @@
               <a:pPr>
                 <a:defRPr/>
               </a:pPr>
-              <a:t>11</a:t>
+              <a:t>10</a:t>
             </a:fld>
             <a:endParaRPr lang="en-US"/>
           </a:p>
@@ -5328,7 +5364,7 @@
               <a:pPr>
                 <a:defRPr/>
               </a:pPr>
-              <a:t>13</a:t>
+              <a:t>12</a:t>
             </a:fld>
             <a:endParaRPr lang="en-US"/>
           </a:p>
@@ -5515,7 +5551,7 @@
               <a:pPr>
                 <a:defRPr/>
               </a:pPr>
-              <a:t>16</a:t>
+              <a:t>14</a:t>
             </a:fld>
             <a:endParaRPr lang="en-US"/>
           </a:p>
@@ -5606,7 +5642,7 @@
               <a:pPr>
                 <a:defRPr/>
               </a:pPr>
-              <a:t>18</a:t>
+              <a:t>16</a:t>
             </a:fld>
             <a:endParaRPr lang="en-US"/>
           </a:p>
@@ -6976,187 +7012,6 @@
           <p:cNvPr id="2" name="Content Placeholder 1">
             <a:extLst>
               <a:ext uri="{FF2B5EF4-FFF2-40B4-BE49-F238E27FC236}">
-                <a16:creationId xmlns:a16="http://schemas.microsoft.com/office/drawing/2014/main" id="{2C0378FB-DF61-D5D5-2FCD-45E9528FD05B}"/>
-              </a:ext>
-            </a:extLst>
-          </p:cNvPr>
-          <p:cNvSpPr>
-            <a:spLocks noGrp="1"/>
-          </p:cNvSpPr>
-          <p:nvPr>
-            <p:ph idx="1"/>
-          </p:nvPr>
-        </p:nvSpPr>
-        <p:spPr/>
-        <p:txBody>
-          <a:bodyPr>
-            <a:normAutofit/>
-          </a:bodyPr>
-          <a:lstStyle/>
-          <a:p>
-            <a:r>
-              <a:rPr lang="en-US" dirty="0"/>
-              <a:t>Pros</a:t>
-            </a:r>
-          </a:p>
-          <a:p>
-            <a:pPr lvl="1"/>
-            <a:r>
-              <a:rPr lang="en-US" dirty="0"/>
-              <a:t>Flexibility on choosing storage, data format and processing engines</a:t>
-            </a:r>
-          </a:p>
-          <a:p>
-            <a:pPr lvl="1"/>
-            <a:r>
-              <a:rPr lang="en-US" dirty="0"/>
-              <a:t>A much cheaper solution than databases </a:t>
-            </a:r>
-            <a:r>
-              <a:rPr lang="en-US" dirty="0">
-                <a:sym typeface="Wingdings" panose="05000000000000000000" pitchFamily="2" charset="2"/>
-              </a:rPr>
-              <a:t> explosive growth of the big data ecosystem</a:t>
-            </a:r>
-          </a:p>
-          <a:p>
-            <a:pPr lvl="1"/>
-            <a:endParaRPr lang="en-US" dirty="0"/>
-          </a:p>
-          <a:p>
-            <a:r>
-              <a:rPr lang="en-US" dirty="0"/>
-              <a:t>Cons: </a:t>
-            </a:r>
-          </a:p>
-          <a:p>
-            <a:pPr lvl="1"/>
-            <a:r>
-              <a:rPr lang="en-US" dirty="0"/>
-              <a:t>Fail to provide ACID guarantees</a:t>
-            </a:r>
-          </a:p>
-          <a:p>
-            <a:pPr lvl="1"/>
-            <a:r>
-              <a:rPr lang="en-US" dirty="0"/>
-              <a:t>Building and maintaining an effective data lake requires expert skills</a:t>
-            </a:r>
-          </a:p>
-          <a:p>
-            <a:pPr lvl="1"/>
-            <a:r>
-              <a:rPr lang="en-US" dirty="0"/>
-              <a:t>Easy to ingest data but very expensive to transform data to deliver business values</a:t>
-            </a:r>
-          </a:p>
-          <a:p>
-            <a:pPr lvl="1"/>
-            <a:r>
-              <a:rPr lang="en-US" dirty="0"/>
-              <a:t>Data quality issues due to the lack of schema enforcement</a:t>
-            </a:r>
-          </a:p>
-          <a:p>
-            <a:pPr lvl="1"/>
-            <a:endParaRPr lang="en-SG" dirty="0"/>
-          </a:p>
-        </p:txBody>
-      </p:sp>
-      <p:sp>
-        <p:nvSpPr>
-          <p:cNvPr id="3" name="Title 2">
-            <a:extLst>
-              <a:ext uri="{FF2B5EF4-FFF2-40B4-BE49-F238E27FC236}">
-                <a16:creationId xmlns:a16="http://schemas.microsoft.com/office/drawing/2014/main" id="{45D04AE2-78C6-7842-FEBC-AFCF2C128AA9}"/>
-              </a:ext>
-            </a:extLst>
-          </p:cNvPr>
-          <p:cNvSpPr>
-            <a:spLocks noGrp="1"/>
-          </p:cNvSpPr>
-          <p:nvPr>
-            <p:ph type="title"/>
-          </p:nvPr>
-        </p:nvSpPr>
-        <p:spPr/>
-        <p:txBody>
-          <a:bodyPr/>
-          <a:lstStyle/>
-          <a:p>
-            <a:r>
-              <a:rPr lang="en-US" dirty="0"/>
-              <a:t>Data Lakes</a:t>
-            </a:r>
-            <a:endParaRPr lang="en-SG" dirty="0"/>
-          </a:p>
-        </p:txBody>
-      </p:sp>
-      <p:sp>
-        <p:nvSpPr>
-          <p:cNvPr id="4" name="Slide Number Placeholder 3">
-            <a:extLst>
-              <a:ext uri="{FF2B5EF4-FFF2-40B4-BE49-F238E27FC236}">
-                <a16:creationId xmlns:a16="http://schemas.microsoft.com/office/drawing/2014/main" id="{C3CF42FB-A953-8705-6B04-67D2580DAFA6}"/>
-              </a:ext>
-            </a:extLst>
-          </p:cNvPr>
-          <p:cNvSpPr>
-            <a:spLocks noGrp="1"/>
-          </p:cNvSpPr>
-          <p:nvPr>
-            <p:ph type="sldNum" sz="quarter" idx="10"/>
-          </p:nvPr>
-        </p:nvSpPr>
-        <p:spPr/>
-        <p:txBody>
-          <a:bodyPr/>
-          <a:lstStyle/>
-          <a:p>
-            <a:fld id="{95C605C4-1F5B-4B2B-8458-3FC432AF1FAC}" type="slidenum">
-              <a:rPr lang="en-US" smtClean="0"/>
-              <a:t>10</a:t>
-            </a:fld>
-            <a:endParaRPr lang="en-US"/>
-          </a:p>
-        </p:txBody>
-      </p:sp>
-    </p:spTree>
-    <p:extLst>
-      <p:ext uri="{BB962C8B-B14F-4D97-AF65-F5344CB8AC3E}">
-        <p14:creationId xmlns:p14="http://schemas.microsoft.com/office/powerpoint/2010/main" val="1357595101"/>
-      </p:ext>
-    </p:extLst>
-  </p:cSld>
-  <p:clrMapOvr>
-    <a:masterClrMapping/>
-  </p:clrMapOvr>
-  <p:transition/>
-</p:sld>
-</file>
-
-<file path=ppt/slides/slide11.xml><?xml version="1.0" encoding="utf-8"?>
-<p:sld xmlns:a="http://schemas.openxmlformats.org/drawingml/2006/main" xmlns:r="http://schemas.openxmlformats.org/officeDocument/2006/relationships" xmlns:p="http://schemas.openxmlformats.org/presentationml/2006/main">
-  <p:cSld>
-    <p:spTree>
-      <p:nvGrpSpPr>
-        <p:cNvPr id="1" name=""/>
-        <p:cNvGrpSpPr/>
-        <p:nvPr/>
-      </p:nvGrpSpPr>
-      <p:grpSpPr>
-        <a:xfrm>
-          <a:off x="0" y="0"/>
-          <a:ext cx="0" cy="0"/>
-          <a:chOff x="0" y="0"/>
-          <a:chExt cx="0" cy="0"/>
-        </a:xfrm>
-      </p:grpSpPr>
-      <p:sp>
-        <p:nvSpPr>
-          <p:cNvPr id="2" name="Content Placeholder 1">
-            <a:extLst>
-              <a:ext uri="{FF2B5EF4-FFF2-40B4-BE49-F238E27FC236}">
                 <a16:creationId xmlns:a16="http://schemas.microsoft.com/office/drawing/2014/main" id="{3AA7F438-EA87-B14D-1884-D865B049559E}"/>
               </a:ext>
             </a:extLst>
@@ -7289,7 +7144,7 @@
           <a:p>
             <a:fld id="{95C605C4-1F5B-4B2B-8458-3FC432AF1FAC}" type="slidenum">
               <a:rPr lang="en-US" smtClean="0"/>
-              <a:t>11</a:t>
+              <a:t>10</a:t>
             </a:fld>
             <a:endParaRPr lang="en-US"/>
           </a:p>
@@ -7339,7 +7194,7 @@
 </p:sld>
 </file>
 
-<file path=ppt/slides/slide12.xml><?xml version="1.0" encoding="utf-8"?>
+<file path=ppt/slides/slide11.xml><?xml version="1.0" encoding="utf-8"?>
 <p:sld xmlns:a="http://schemas.openxmlformats.org/drawingml/2006/main" xmlns:r="http://schemas.openxmlformats.org/officeDocument/2006/relationships" xmlns:p="http://schemas.openxmlformats.org/presentationml/2006/main">
   <p:cSld>
     <p:spTree>
@@ -7436,7 +7291,7 @@
           <a:p>
             <a:fld id="{95C605C4-1F5B-4B2B-8458-3FC432AF1FAC}" type="slidenum">
               <a:rPr lang="en-US" smtClean="0"/>
-              <a:t>12</a:t>
+              <a:t>11</a:t>
             </a:fld>
             <a:endParaRPr lang="en-US"/>
           </a:p>
@@ -7456,7 +7311,7 @@
 </p:sld>
 </file>
 
-<file path=ppt/slides/slide13.xml><?xml version="1.0" encoding="utf-8"?>
+<file path=ppt/slides/slide12.xml><?xml version="1.0" encoding="utf-8"?>
 <p:sld xmlns:a="http://schemas.openxmlformats.org/drawingml/2006/main" xmlns:r="http://schemas.openxmlformats.org/officeDocument/2006/relationships" xmlns:p="http://schemas.openxmlformats.org/presentationml/2006/main">
   <p:cSld>
     <p:spTree>
@@ -7598,7 +7453,7 @@
           <a:p>
             <a:fld id="{95C605C4-1F5B-4B2B-8458-3FC432AF1FAC}" type="slidenum">
               <a:rPr lang="en-US" smtClean="0"/>
-              <a:t>13</a:t>
+              <a:t>12</a:t>
             </a:fld>
             <a:endParaRPr lang="en-US"/>
           </a:p>
@@ -7618,7 +7473,7 @@
 </p:sld>
 </file>
 
-<file path=ppt/slides/slide14.xml><?xml version="1.0" encoding="utf-8"?>
+<file path=ppt/slides/slide13.xml><?xml version="1.0" encoding="utf-8"?>
 <p:sld xmlns:a="http://schemas.openxmlformats.org/drawingml/2006/main" xmlns:r="http://schemas.openxmlformats.org/officeDocument/2006/relationships" xmlns:p="http://schemas.openxmlformats.org/presentationml/2006/main">
   <p:cSld>
     <p:spTree>
@@ -7723,7 +7578,7 @@
           <a:p>
             <a:fld id="{95C605C4-1F5B-4B2B-8458-3FC432AF1FAC}" type="slidenum">
               <a:rPr lang="en-US" smtClean="0"/>
-              <a:t>14</a:t>
+              <a:t>13</a:t>
             </a:fld>
             <a:endParaRPr lang="en-US"/>
           </a:p>
@@ -7743,154 +7598,7 @@
 </p:sld>
 </file>
 
-<file path=ppt/slides/slide15.xml><?xml version="1.0" encoding="utf-8"?>
-<p:sld xmlns:a="http://schemas.openxmlformats.org/drawingml/2006/main" xmlns:r="http://schemas.openxmlformats.org/officeDocument/2006/relationships" xmlns:p="http://schemas.openxmlformats.org/presentationml/2006/main">
-  <p:cSld>
-    <p:spTree>
-      <p:nvGrpSpPr>
-        <p:cNvPr id="1" name=""/>
-        <p:cNvGrpSpPr/>
-        <p:nvPr/>
-      </p:nvGrpSpPr>
-      <p:grpSpPr>
-        <a:xfrm>
-          <a:off x="0" y="0"/>
-          <a:ext cx="0" cy="0"/>
-          <a:chOff x="0" y="0"/>
-          <a:chExt cx="0" cy="0"/>
-        </a:xfrm>
-      </p:grpSpPr>
-      <p:pic>
-        <p:nvPicPr>
-          <p:cNvPr id="6" name="Content Placeholder 5">
-            <a:extLst>
-              <a:ext uri="{FF2B5EF4-FFF2-40B4-BE49-F238E27FC236}">
-                <a16:creationId xmlns:a16="http://schemas.microsoft.com/office/drawing/2014/main" id="{30DEDAF9-4D66-E35C-CA1C-3BF919F658E8}"/>
-              </a:ext>
-            </a:extLst>
-          </p:cNvPr>
-          <p:cNvPicPr>
-            <a:picLocks noGrp="1" noChangeAspect="1"/>
-          </p:cNvPicPr>
-          <p:nvPr>
-            <p:ph idx="1"/>
-          </p:nvPr>
-        </p:nvPicPr>
-        <p:blipFill>
-          <a:blip r:embed="rId2"/>
-          <a:stretch>
-            <a:fillRect/>
-          </a:stretch>
-        </p:blipFill>
-        <p:spPr>
-          <a:xfrm>
-            <a:off x="533400" y="914400"/>
-            <a:ext cx="7620000" cy="2710521"/>
-          </a:xfrm>
-        </p:spPr>
-      </p:pic>
-      <p:sp>
-        <p:nvSpPr>
-          <p:cNvPr id="3" name="Title 2">
-            <a:extLst>
-              <a:ext uri="{FF2B5EF4-FFF2-40B4-BE49-F238E27FC236}">
-                <a16:creationId xmlns:a16="http://schemas.microsoft.com/office/drawing/2014/main" id="{E84AB383-24AE-799B-3738-41E2EF36161A}"/>
-              </a:ext>
-            </a:extLst>
-          </p:cNvPr>
-          <p:cNvSpPr>
-            <a:spLocks noGrp="1"/>
-          </p:cNvSpPr>
-          <p:nvPr>
-            <p:ph type="title"/>
-          </p:nvPr>
-        </p:nvSpPr>
-        <p:spPr/>
-        <p:txBody>
-          <a:bodyPr/>
-          <a:lstStyle/>
-          <a:p>
-            <a:r>
-              <a:rPr lang="en-SG" dirty="0"/>
-              <a:t>The Medallion Architecture</a:t>
-            </a:r>
-          </a:p>
-        </p:txBody>
-      </p:sp>
-      <p:sp>
-        <p:nvSpPr>
-          <p:cNvPr id="4" name="Slide Number Placeholder 3">
-            <a:extLst>
-              <a:ext uri="{FF2B5EF4-FFF2-40B4-BE49-F238E27FC236}">
-                <a16:creationId xmlns:a16="http://schemas.microsoft.com/office/drawing/2014/main" id="{B3797D5A-8963-85A6-BFAE-8C702E439975}"/>
-              </a:ext>
-            </a:extLst>
-          </p:cNvPr>
-          <p:cNvSpPr>
-            <a:spLocks noGrp="1"/>
-          </p:cNvSpPr>
-          <p:nvPr>
-            <p:ph type="sldNum" sz="quarter" idx="10"/>
-          </p:nvPr>
-        </p:nvSpPr>
-        <p:spPr/>
-        <p:txBody>
-          <a:bodyPr/>
-          <a:lstStyle/>
-          <a:p>
-            <a:fld id="{95C605C4-1F5B-4B2B-8458-3FC432AF1FAC}" type="slidenum">
-              <a:rPr lang="en-US" smtClean="0"/>
-              <a:t>15</a:t>
-            </a:fld>
-            <a:endParaRPr lang="en-US"/>
-          </a:p>
-        </p:txBody>
-      </p:sp>
-      <p:pic>
-        <p:nvPicPr>
-          <p:cNvPr id="8" name="Picture 7">
-            <a:extLst>
-              <a:ext uri="{FF2B5EF4-FFF2-40B4-BE49-F238E27FC236}">
-                <a16:creationId xmlns:a16="http://schemas.microsoft.com/office/drawing/2014/main" id="{901DFC9F-0E8F-ACFA-F968-FD13C5058D0C}"/>
-              </a:ext>
-            </a:extLst>
-          </p:cNvPr>
-          <p:cNvPicPr>
-            <a:picLocks noChangeAspect="1"/>
-          </p:cNvPicPr>
-          <p:nvPr/>
-        </p:nvPicPr>
-        <p:blipFill>
-          <a:blip r:embed="rId3"/>
-          <a:stretch>
-            <a:fillRect/>
-          </a:stretch>
-        </p:blipFill>
-        <p:spPr>
-          <a:xfrm>
-            <a:off x="2362200" y="3624921"/>
-            <a:ext cx="4800600" cy="2936513"/>
-          </a:xfrm>
-          <a:prstGeom prst="rect">
-            <a:avLst/>
-          </a:prstGeom>
-        </p:spPr>
-      </p:pic>
-    </p:spTree>
-    <p:extLst>
-      <p:ext uri="{BB962C8B-B14F-4D97-AF65-F5344CB8AC3E}">
-        <p14:creationId xmlns:p14="http://schemas.microsoft.com/office/powerpoint/2010/main" val="724149218"/>
-      </p:ext>
-    </p:extLst>
-  </p:cSld>
-  <p:clrMapOvr>
-    <a:masterClrMapping/>
-  </p:clrMapOvr>
-  <p:transition/>
-</p:sld>
-</file>
-
-<file path=ppt/slides/slide16.xml><?xml version="1.0" encoding="utf-8"?>
+<file path=ppt/slides/slide14.xml><?xml version="1.0" encoding="utf-8"?>
 <p:sld xmlns:a="http://schemas.openxmlformats.org/drawingml/2006/main" xmlns:r="http://schemas.openxmlformats.org/officeDocument/2006/relationships" xmlns:p="http://schemas.openxmlformats.org/presentationml/2006/main">
   <p:cSld>
     <p:spTree>
@@ -8017,7 +7725,7 @@
           <a:p>
             <a:fld id="{95C605C4-1F5B-4B2B-8458-3FC432AF1FAC}" type="slidenum">
               <a:rPr lang="en-US" smtClean="0"/>
-              <a:t>16</a:t>
+              <a:t>14</a:t>
             </a:fld>
             <a:endParaRPr lang="en-US"/>
           </a:p>
@@ -8045,7 +7753,7 @@
         </p:blipFill>
         <p:spPr>
           <a:xfrm>
-            <a:off x="2118988" y="3416378"/>
+            <a:off x="2118988" y="3495076"/>
             <a:ext cx="4906024" cy="3226399"/>
           </a:xfrm>
           <a:prstGeom prst="rect">
@@ -8075,8 +7783,8 @@
         </p:blipFill>
         <p:spPr>
           <a:xfrm>
-            <a:off x="381000" y="3337680"/>
-            <a:ext cx="2924175" cy="2352675"/>
+            <a:off x="838200" y="3733800"/>
+            <a:ext cx="2178333" cy="1752600"/>
           </a:xfrm>
           <a:prstGeom prst="rect">
             <a:avLst/>
@@ -8097,7 +7805,7 @@
 </p:sld>
 </file>
 
-<file path=ppt/slides/slide17.xml><?xml version="1.0" encoding="utf-8"?>
+<file path=ppt/slides/slide15.xml><?xml version="1.0" encoding="utf-8"?>
 <p:sld xmlns:a="http://schemas.openxmlformats.org/drawingml/2006/main" xmlns:r="http://schemas.openxmlformats.org/officeDocument/2006/relationships" xmlns:p="http://schemas.openxmlformats.org/presentationml/2006/main">
   <p:cSld>
     <p:spTree>
@@ -8166,7 +7874,7 @@
           <a:p>
             <a:fld id="{95C605C4-1F5B-4B2B-8458-3FC432AF1FAC}" type="slidenum">
               <a:rPr lang="en-US" smtClean="0"/>
-              <a:t>17</a:t>
+              <a:t>15</a:t>
             </a:fld>
             <a:endParaRPr lang="en-US"/>
           </a:p>
@@ -8246,7 +7954,7 @@
 </p:sld>
 </file>
 
-<file path=ppt/slides/slide18.xml><?xml version="1.0" encoding="utf-8"?>
+<file path=ppt/slides/slide16.xml><?xml version="1.0" encoding="utf-8"?>
 <p:sld xmlns:a="http://schemas.openxmlformats.org/drawingml/2006/main" xmlns:r="http://schemas.openxmlformats.org/officeDocument/2006/relationships" xmlns:p="http://schemas.openxmlformats.org/presentationml/2006/main">
   <p:cSld>
     <p:spTree>
@@ -8417,7 +8125,7 @@
           <a:p>
             <a:fld id="{95C605C4-1F5B-4B2B-8458-3FC432AF1FAC}" type="slidenum">
               <a:rPr lang="en-US" smtClean="0"/>
-              <a:t>18</a:t>
+              <a:t>16</a:t>
             </a:fld>
             <a:endParaRPr lang="en-US"/>
           </a:p>
@@ -8437,7 +8145,7 @@
 </p:sld>
 </file>
 
-<file path=ppt/slides/slide19.xml><?xml version="1.0" encoding="utf-8"?>
+<file path=ppt/slides/slide17.xml><?xml version="1.0" encoding="utf-8"?>
 <p:sld xmlns:a="http://schemas.openxmlformats.org/drawingml/2006/main" xmlns:r="http://schemas.openxmlformats.org/officeDocument/2006/relationships" xmlns:p="http://schemas.openxmlformats.org/presentationml/2006/main">
   <p:cSld>
     <p:spTree>
@@ -8602,7 +8310,7 @@
           <a:p>
             <a:fld id="{95C605C4-1F5B-4B2B-8458-3FC432AF1FAC}" type="slidenum">
               <a:rPr lang="en-US" smtClean="0"/>
-              <a:t>19</a:t>
+              <a:t>17</a:t>
             </a:fld>
             <a:endParaRPr lang="en-US"/>
           </a:p>
@@ -8642,6 +8350,301 @@
     <p:extLst>
       <p:ext uri="{BB962C8B-B14F-4D97-AF65-F5344CB8AC3E}">
         <p14:creationId xmlns:p14="http://schemas.microsoft.com/office/powerpoint/2010/main" val="688793056"/>
+      </p:ext>
+    </p:extLst>
+  </p:cSld>
+  <p:clrMapOvr>
+    <a:masterClrMapping/>
+  </p:clrMapOvr>
+  <p:transition/>
+</p:sld>
+</file>
+
+<file path=ppt/slides/slide18.xml><?xml version="1.0" encoding="utf-8"?>
+<p:sld xmlns:a="http://schemas.openxmlformats.org/drawingml/2006/main" xmlns:r="http://schemas.openxmlformats.org/officeDocument/2006/relationships" xmlns:p="http://schemas.openxmlformats.org/presentationml/2006/main">
+  <p:cSld>
+    <p:spTree>
+      <p:nvGrpSpPr>
+        <p:cNvPr id="1" name=""/>
+        <p:cNvGrpSpPr/>
+        <p:nvPr/>
+      </p:nvGrpSpPr>
+      <p:grpSpPr>
+        <a:xfrm>
+          <a:off x="0" y="0"/>
+          <a:ext cx="0" cy="0"/>
+          <a:chOff x="0" y="0"/>
+          <a:chExt cx="0" cy="0"/>
+        </a:xfrm>
+      </p:grpSpPr>
+      <p:sp>
+        <p:nvSpPr>
+          <p:cNvPr id="2" name="Content Placeholder 1">
+            <a:extLst>
+              <a:ext uri="{FF2B5EF4-FFF2-40B4-BE49-F238E27FC236}">
+                <a16:creationId xmlns:a16="http://schemas.microsoft.com/office/drawing/2014/main" id="{FB132496-A04D-DE2F-B675-C6E0DE4BEF31}"/>
+              </a:ext>
+            </a:extLst>
+          </p:cNvPr>
+          <p:cNvSpPr>
+            <a:spLocks noGrp="1"/>
+          </p:cNvSpPr>
+          <p:nvPr>
+            <p:ph idx="1"/>
+          </p:nvPr>
+        </p:nvSpPr>
+        <p:spPr/>
+        <p:txBody>
+          <a:bodyPr/>
+          <a:lstStyle/>
+          <a:p>
+            <a:r>
+              <a:rPr lang="en-SG" dirty="0"/>
+              <a:t>updates and the transaction log</a:t>
+            </a:r>
+          </a:p>
+          <a:p>
+            <a:endParaRPr lang="en-SG" dirty="0"/>
+          </a:p>
+        </p:txBody>
+      </p:sp>
+      <p:sp>
+        <p:nvSpPr>
+          <p:cNvPr id="3" name="Title 2">
+            <a:extLst>
+              <a:ext uri="{FF2B5EF4-FFF2-40B4-BE49-F238E27FC236}">
+                <a16:creationId xmlns:a16="http://schemas.microsoft.com/office/drawing/2014/main" id="{4E17D047-760F-9D5A-54B8-CF2AC691F8AE}"/>
+              </a:ext>
+            </a:extLst>
+          </p:cNvPr>
+          <p:cNvSpPr>
+            <a:spLocks noGrp="1"/>
+          </p:cNvSpPr>
+          <p:nvPr>
+            <p:ph type="title"/>
+          </p:nvPr>
+        </p:nvSpPr>
+        <p:spPr/>
+        <p:txBody>
+          <a:bodyPr/>
+          <a:lstStyle/>
+          <a:p>
+            <a:r>
+              <a:rPr lang="en-SG" dirty="0"/>
+              <a:t>Delta Lake Example 1: Practical_4a</a:t>
+            </a:r>
+          </a:p>
+        </p:txBody>
+      </p:sp>
+      <p:sp>
+        <p:nvSpPr>
+          <p:cNvPr id="4" name="Slide Number Placeholder 3">
+            <a:extLst>
+              <a:ext uri="{FF2B5EF4-FFF2-40B4-BE49-F238E27FC236}">
+                <a16:creationId xmlns:a16="http://schemas.microsoft.com/office/drawing/2014/main" id="{5E8288B4-37F3-C0D2-09CA-1B5F4E6BAAED}"/>
+              </a:ext>
+            </a:extLst>
+          </p:cNvPr>
+          <p:cNvSpPr>
+            <a:spLocks noGrp="1"/>
+          </p:cNvSpPr>
+          <p:nvPr>
+            <p:ph type="sldNum" sz="quarter" idx="10"/>
+          </p:nvPr>
+        </p:nvSpPr>
+        <p:spPr/>
+        <p:txBody>
+          <a:bodyPr/>
+          <a:lstStyle/>
+          <a:p>
+            <a:fld id="{95C605C4-1F5B-4B2B-8458-3FC432AF1FAC}" type="slidenum">
+              <a:rPr lang="en-US" smtClean="0"/>
+              <a:t>18</a:t>
+            </a:fld>
+            <a:endParaRPr lang="en-US"/>
+          </a:p>
+        </p:txBody>
+      </p:sp>
+      <p:pic>
+        <p:nvPicPr>
+          <p:cNvPr id="6" name="Picture 5">
+            <a:extLst>
+              <a:ext uri="{FF2B5EF4-FFF2-40B4-BE49-F238E27FC236}">
+                <a16:creationId xmlns:a16="http://schemas.microsoft.com/office/drawing/2014/main" id="{76BD1C26-561E-465E-F819-BF55C5817736}"/>
+              </a:ext>
+            </a:extLst>
+          </p:cNvPr>
+          <p:cNvPicPr>
+            <a:picLocks noChangeAspect="1"/>
+          </p:cNvPicPr>
+          <p:nvPr/>
+        </p:nvPicPr>
+        <p:blipFill>
+          <a:blip r:embed="rId2"/>
+          <a:stretch>
+            <a:fillRect/>
+          </a:stretch>
+        </p:blipFill>
+        <p:spPr>
+          <a:xfrm>
+            <a:off x="571500" y="1828800"/>
+            <a:ext cx="8001000" cy="4164685"/>
+          </a:xfrm>
+          <a:prstGeom prst="rect">
+            <a:avLst/>
+          </a:prstGeom>
+        </p:spPr>
+      </p:pic>
+    </p:spTree>
+    <p:extLst>
+      <p:ext uri="{BB962C8B-B14F-4D97-AF65-F5344CB8AC3E}">
+        <p14:creationId xmlns:p14="http://schemas.microsoft.com/office/powerpoint/2010/main" val="1484059520"/>
+      </p:ext>
+    </p:extLst>
+  </p:cSld>
+  <p:clrMapOvr>
+    <a:masterClrMapping/>
+  </p:clrMapOvr>
+  <p:transition/>
+</p:sld>
+</file>
+
+<file path=ppt/slides/slide19.xml><?xml version="1.0" encoding="utf-8"?>
+<p:sld xmlns:a="http://schemas.openxmlformats.org/drawingml/2006/main" xmlns:r="http://schemas.openxmlformats.org/officeDocument/2006/relationships" xmlns:p="http://schemas.openxmlformats.org/presentationml/2006/main">
+  <p:cSld>
+    <p:spTree>
+      <p:nvGrpSpPr>
+        <p:cNvPr id="1" name=""/>
+        <p:cNvGrpSpPr/>
+        <p:nvPr/>
+      </p:nvGrpSpPr>
+      <p:grpSpPr>
+        <a:xfrm>
+          <a:off x="0" y="0"/>
+          <a:ext cx="0" cy="0"/>
+          <a:chOff x="0" y="0"/>
+          <a:chExt cx="0" cy="0"/>
+        </a:xfrm>
+      </p:grpSpPr>
+      <p:sp>
+        <p:nvSpPr>
+          <p:cNvPr id="2" name="Content Placeholder 1">
+            <a:extLst>
+              <a:ext uri="{FF2B5EF4-FFF2-40B4-BE49-F238E27FC236}">
+                <a16:creationId xmlns:a16="http://schemas.microsoft.com/office/drawing/2014/main" id="{46CC7E46-74D1-8460-71AB-8D0F8CF83107}"/>
+              </a:ext>
+            </a:extLst>
+          </p:cNvPr>
+          <p:cNvSpPr>
+            <a:spLocks noGrp="1"/>
+          </p:cNvSpPr>
+          <p:nvPr>
+            <p:ph idx="1"/>
+          </p:nvPr>
+        </p:nvSpPr>
+        <p:spPr/>
+        <p:txBody>
+          <a:bodyPr/>
+          <a:lstStyle/>
+          <a:p>
+            <a:r>
+              <a:rPr lang="en-SG" dirty="0"/>
+              <a:t>Checkpoint File</a:t>
+            </a:r>
+          </a:p>
+        </p:txBody>
+      </p:sp>
+      <p:sp>
+        <p:nvSpPr>
+          <p:cNvPr id="3" name="Title 2">
+            <a:extLst>
+              <a:ext uri="{FF2B5EF4-FFF2-40B4-BE49-F238E27FC236}">
+                <a16:creationId xmlns:a16="http://schemas.microsoft.com/office/drawing/2014/main" id="{3737AD58-54FE-0856-FFC2-D23460F26F69}"/>
+              </a:ext>
+            </a:extLst>
+          </p:cNvPr>
+          <p:cNvSpPr>
+            <a:spLocks noGrp="1"/>
+          </p:cNvSpPr>
+          <p:nvPr>
+            <p:ph type="title"/>
+          </p:nvPr>
+        </p:nvSpPr>
+        <p:spPr/>
+        <p:txBody>
+          <a:bodyPr/>
+          <a:lstStyle/>
+          <a:p>
+            <a:r>
+              <a:rPr lang="en-SG" dirty="0"/>
+              <a:t>Delta Lake Example 2: Practical_4b</a:t>
+            </a:r>
+          </a:p>
+        </p:txBody>
+      </p:sp>
+      <p:sp>
+        <p:nvSpPr>
+          <p:cNvPr id="4" name="Slide Number Placeholder 3">
+            <a:extLst>
+              <a:ext uri="{FF2B5EF4-FFF2-40B4-BE49-F238E27FC236}">
+                <a16:creationId xmlns:a16="http://schemas.microsoft.com/office/drawing/2014/main" id="{34069C39-2CEC-44EC-0A99-C5381D1B56C2}"/>
+              </a:ext>
+            </a:extLst>
+          </p:cNvPr>
+          <p:cNvSpPr>
+            <a:spLocks noGrp="1"/>
+          </p:cNvSpPr>
+          <p:nvPr>
+            <p:ph type="sldNum" sz="quarter" idx="10"/>
+          </p:nvPr>
+        </p:nvSpPr>
+        <p:spPr/>
+        <p:txBody>
+          <a:bodyPr/>
+          <a:lstStyle/>
+          <a:p>
+            <a:fld id="{95C605C4-1F5B-4B2B-8458-3FC432AF1FAC}" type="slidenum">
+              <a:rPr lang="en-US" smtClean="0"/>
+              <a:t>19</a:t>
+            </a:fld>
+            <a:endParaRPr lang="en-US"/>
+          </a:p>
+        </p:txBody>
+      </p:sp>
+      <p:pic>
+        <p:nvPicPr>
+          <p:cNvPr id="8" name="Picture 7">
+            <a:extLst>
+              <a:ext uri="{FF2B5EF4-FFF2-40B4-BE49-F238E27FC236}">
+                <a16:creationId xmlns:a16="http://schemas.microsoft.com/office/drawing/2014/main" id="{1D6C54D3-E795-AA90-BBF8-58CC2F23B2AA}"/>
+              </a:ext>
+            </a:extLst>
+          </p:cNvPr>
+          <p:cNvPicPr>
+            <a:picLocks noChangeAspect="1"/>
+          </p:cNvPicPr>
+          <p:nvPr/>
+        </p:nvPicPr>
+        <p:blipFill>
+          <a:blip r:embed="rId2"/>
+          <a:stretch>
+            <a:fillRect/>
+          </a:stretch>
+        </p:blipFill>
+        <p:spPr>
+          <a:xfrm>
+            <a:off x="3200400" y="1086379"/>
+            <a:ext cx="4612920" cy="5486400"/>
+          </a:xfrm>
+          <a:prstGeom prst="rect">
+            <a:avLst/>
+          </a:prstGeom>
+        </p:spPr>
+      </p:pic>
+    </p:spTree>
+    <p:extLst>
+      <p:ext uri="{BB962C8B-B14F-4D97-AF65-F5344CB8AC3E}">
+        <p14:creationId xmlns:p14="http://schemas.microsoft.com/office/powerpoint/2010/main" val="1530817057"/>
       </p:ext>
     </p:extLst>
   </p:cSld>
@@ -9545,301 +9548,6 @@
           <p:cNvPr id="2" name="Content Placeholder 1">
             <a:extLst>
               <a:ext uri="{FF2B5EF4-FFF2-40B4-BE49-F238E27FC236}">
-                <a16:creationId xmlns:a16="http://schemas.microsoft.com/office/drawing/2014/main" id="{FB132496-A04D-DE2F-B675-C6E0DE4BEF31}"/>
-              </a:ext>
-            </a:extLst>
-          </p:cNvPr>
-          <p:cNvSpPr>
-            <a:spLocks noGrp="1"/>
-          </p:cNvSpPr>
-          <p:nvPr>
-            <p:ph idx="1"/>
-          </p:nvPr>
-        </p:nvSpPr>
-        <p:spPr/>
-        <p:txBody>
-          <a:bodyPr/>
-          <a:lstStyle/>
-          <a:p>
-            <a:r>
-              <a:rPr lang="en-SG" dirty="0"/>
-              <a:t>updates and the transaction log</a:t>
-            </a:r>
-          </a:p>
-          <a:p>
-            <a:endParaRPr lang="en-SG" dirty="0"/>
-          </a:p>
-        </p:txBody>
-      </p:sp>
-      <p:sp>
-        <p:nvSpPr>
-          <p:cNvPr id="3" name="Title 2">
-            <a:extLst>
-              <a:ext uri="{FF2B5EF4-FFF2-40B4-BE49-F238E27FC236}">
-                <a16:creationId xmlns:a16="http://schemas.microsoft.com/office/drawing/2014/main" id="{4E17D047-760F-9D5A-54B8-CF2AC691F8AE}"/>
-              </a:ext>
-            </a:extLst>
-          </p:cNvPr>
-          <p:cNvSpPr>
-            <a:spLocks noGrp="1"/>
-          </p:cNvSpPr>
-          <p:nvPr>
-            <p:ph type="title"/>
-          </p:nvPr>
-        </p:nvSpPr>
-        <p:spPr/>
-        <p:txBody>
-          <a:bodyPr/>
-          <a:lstStyle/>
-          <a:p>
-            <a:r>
-              <a:rPr lang="en-SG" dirty="0"/>
-              <a:t>Delta Lake Example 1: Practical_4a</a:t>
-            </a:r>
-          </a:p>
-        </p:txBody>
-      </p:sp>
-      <p:sp>
-        <p:nvSpPr>
-          <p:cNvPr id="4" name="Slide Number Placeholder 3">
-            <a:extLst>
-              <a:ext uri="{FF2B5EF4-FFF2-40B4-BE49-F238E27FC236}">
-                <a16:creationId xmlns:a16="http://schemas.microsoft.com/office/drawing/2014/main" id="{5E8288B4-37F3-C0D2-09CA-1B5F4E6BAAED}"/>
-              </a:ext>
-            </a:extLst>
-          </p:cNvPr>
-          <p:cNvSpPr>
-            <a:spLocks noGrp="1"/>
-          </p:cNvSpPr>
-          <p:nvPr>
-            <p:ph type="sldNum" sz="quarter" idx="10"/>
-          </p:nvPr>
-        </p:nvSpPr>
-        <p:spPr/>
-        <p:txBody>
-          <a:bodyPr/>
-          <a:lstStyle/>
-          <a:p>
-            <a:fld id="{95C605C4-1F5B-4B2B-8458-3FC432AF1FAC}" type="slidenum">
-              <a:rPr lang="en-US" smtClean="0"/>
-              <a:t>20</a:t>
-            </a:fld>
-            <a:endParaRPr lang="en-US"/>
-          </a:p>
-        </p:txBody>
-      </p:sp>
-      <p:pic>
-        <p:nvPicPr>
-          <p:cNvPr id="6" name="Picture 5">
-            <a:extLst>
-              <a:ext uri="{FF2B5EF4-FFF2-40B4-BE49-F238E27FC236}">
-                <a16:creationId xmlns:a16="http://schemas.microsoft.com/office/drawing/2014/main" id="{76BD1C26-561E-465E-F819-BF55C5817736}"/>
-              </a:ext>
-            </a:extLst>
-          </p:cNvPr>
-          <p:cNvPicPr>
-            <a:picLocks noChangeAspect="1"/>
-          </p:cNvPicPr>
-          <p:nvPr/>
-        </p:nvPicPr>
-        <p:blipFill>
-          <a:blip r:embed="rId2"/>
-          <a:stretch>
-            <a:fillRect/>
-          </a:stretch>
-        </p:blipFill>
-        <p:spPr>
-          <a:xfrm>
-            <a:off x="571500" y="1828800"/>
-            <a:ext cx="8001000" cy="4164685"/>
-          </a:xfrm>
-          <a:prstGeom prst="rect">
-            <a:avLst/>
-          </a:prstGeom>
-        </p:spPr>
-      </p:pic>
-    </p:spTree>
-    <p:extLst>
-      <p:ext uri="{BB962C8B-B14F-4D97-AF65-F5344CB8AC3E}">
-        <p14:creationId xmlns:p14="http://schemas.microsoft.com/office/powerpoint/2010/main" val="1484059520"/>
-      </p:ext>
-    </p:extLst>
-  </p:cSld>
-  <p:clrMapOvr>
-    <a:masterClrMapping/>
-  </p:clrMapOvr>
-  <p:transition/>
-</p:sld>
-</file>
-
-<file path=ppt/slides/slide21.xml><?xml version="1.0" encoding="utf-8"?>
-<p:sld xmlns:a="http://schemas.openxmlformats.org/drawingml/2006/main" xmlns:r="http://schemas.openxmlformats.org/officeDocument/2006/relationships" xmlns:p="http://schemas.openxmlformats.org/presentationml/2006/main">
-  <p:cSld>
-    <p:spTree>
-      <p:nvGrpSpPr>
-        <p:cNvPr id="1" name=""/>
-        <p:cNvGrpSpPr/>
-        <p:nvPr/>
-      </p:nvGrpSpPr>
-      <p:grpSpPr>
-        <a:xfrm>
-          <a:off x="0" y="0"/>
-          <a:ext cx="0" cy="0"/>
-          <a:chOff x="0" y="0"/>
-          <a:chExt cx="0" cy="0"/>
-        </a:xfrm>
-      </p:grpSpPr>
-      <p:sp>
-        <p:nvSpPr>
-          <p:cNvPr id="2" name="Content Placeholder 1">
-            <a:extLst>
-              <a:ext uri="{FF2B5EF4-FFF2-40B4-BE49-F238E27FC236}">
-                <a16:creationId xmlns:a16="http://schemas.microsoft.com/office/drawing/2014/main" id="{46CC7E46-74D1-8460-71AB-8D0F8CF83107}"/>
-              </a:ext>
-            </a:extLst>
-          </p:cNvPr>
-          <p:cNvSpPr>
-            <a:spLocks noGrp="1"/>
-          </p:cNvSpPr>
-          <p:nvPr>
-            <p:ph idx="1"/>
-          </p:nvPr>
-        </p:nvSpPr>
-        <p:spPr/>
-        <p:txBody>
-          <a:bodyPr/>
-          <a:lstStyle/>
-          <a:p>
-            <a:r>
-              <a:rPr lang="en-SG" dirty="0"/>
-              <a:t>Checkpoint File</a:t>
-            </a:r>
-          </a:p>
-        </p:txBody>
-      </p:sp>
-      <p:sp>
-        <p:nvSpPr>
-          <p:cNvPr id="3" name="Title 2">
-            <a:extLst>
-              <a:ext uri="{FF2B5EF4-FFF2-40B4-BE49-F238E27FC236}">
-                <a16:creationId xmlns:a16="http://schemas.microsoft.com/office/drawing/2014/main" id="{3737AD58-54FE-0856-FFC2-D23460F26F69}"/>
-              </a:ext>
-            </a:extLst>
-          </p:cNvPr>
-          <p:cNvSpPr>
-            <a:spLocks noGrp="1"/>
-          </p:cNvSpPr>
-          <p:nvPr>
-            <p:ph type="title"/>
-          </p:nvPr>
-        </p:nvSpPr>
-        <p:spPr/>
-        <p:txBody>
-          <a:bodyPr/>
-          <a:lstStyle/>
-          <a:p>
-            <a:r>
-              <a:rPr lang="en-SG" dirty="0"/>
-              <a:t>Delta Lake Example 2: Practical_4b</a:t>
-            </a:r>
-          </a:p>
-        </p:txBody>
-      </p:sp>
-      <p:sp>
-        <p:nvSpPr>
-          <p:cNvPr id="4" name="Slide Number Placeholder 3">
-            <a:extLst>
-              <a:ext uri="{FF2B5EF4-FFF2-40B4-BE49-F238E27FC236}">
-                <a16:creationId xmlns:a16="http://schemas.microsoft.com/office/drawing/2014/main" id="{34069C39-2CEC-44EC-0A99-C5381D1B56C2}"/>
-              </a:ext>
-            </a:extLst>
-          </p:cNvPr>
-          <p:cNvSpPr>
-            <a:spLocks noGrp="1"/>
-          </p:cNvSpPr>
-          <p:nvPr>
-            <p:ph type="sldNum" sz="quarter" idx="10"/>
-          </p:nvPr>
-        </p:nvSpPr>
-        <p:spPr/>
-        <p:txBody>
-          <a:bodyPr/>
-          <a:lstStyle/>
-          <a:p>
-            <a:fld id="{95C605C4-1F5B-4B2B-8458-3FC432AF1FAC}" type="slidenum">
-              <a:rPr lang="en-US" smtClean="0"/>
-              <a:t>21</a:t>
-            </a:fld>
-            <a:endParaRPr lang="en-US"/>
-          </a:p>
-        </p:txBody>
-      </p:sp>
-      <p:pic>
-        <p:nvPicPr>
-          <p:cNvPr id="8" name="Picture 7">
-            <a:extLst>
-              <a:ext uri="{FF2B5EF4-FFF2-40B4-BE49-F238E27FC236}">
-                <a16:creationId xmlns:a16="http://schemas.microsoft.com/office/drawing/2014/main" id="{1D6C54D3-E795-AA90-BBF8-58CC2F23B2AA}"/>
-              </a:ext>
-            </a:extLst>
-          </p:cNvPr>
-          <p:cNvPicPr>
-            <a:picLocks noChangeAspect="1"/>
-          </p:cNvPicPr>
-          <p:nvPr/>
-        </p:nvPicPr>
-        <p:blipFill>
-          <a:blip r:embed="rId2"/>
-          <a:stretch>
-            <a:fillRect/>
-          </a:stretch>
-        </p:blipFill>
-        <p:spPr>
-          <a:xfrm>
-            <a:off x="3200400" y="1086379"/>
-            <a:ext cx="4612920" cy="5486400"/>
-          </a:xfrm>
-          <a:prstGeom prst="rect">
-            <a:avLst/>
-          </a:prstGeom>
-        </p:spPr>
-      </p:pic>
-    </p:spTree>
-    <p:extLst>
-      <p:ext uri="{BB962C8B-B14F-4D97-AF65-F5344CB8AC3E}">
-        <p14:creationId xmlns:p14="http://schemas.microsoft.com/office/powerpoint/2010/main" val="1530817057"/>
-      </p:ext>
-    </p:extLst>
-  </p:cSld>
-  <p:clrMapOvr>
-    <a:masterClrMapping/>
-  </p:clrMapOvr>
-  <p:transition/>
-</p:sld>
-</file>
-
-<file path=ppt/slides/slide22.xml><?xml version="1.0" encoding="utf-8"?>
-<p:sld xmlns:a="http://schemas.openxmlformats.org/drawingml/2006/main" xmlns:r="http://schemas.openxmlformats.org/officeDocument/2006/relationships" xmlns:p="http://schemas.openxmlformats.org/presentationml/2006/main">
-  <p:cSld>
-    <p:spTree>
-      <p:nvGrpSpPr>
-        <p:cNvPr id="1" name=""/>
-        <p:cNvGrpSpPr/>
-        <p:nvPr/>
-      </p:nvGrpSpPr>
-      <p:grpSpPr>
-        <a:xfrm>
-          <a:off x="0" y="0"/>
-          <a:ext cx="0" cy="0"/>
-          <a:chOff x="0" y="0"/>
-          <a:chExt cx="0" cy="0"/>
-        </a:xfrm>
-      </p:grpSpPr>
-      <p:sp>
-        <p:nvSpPr>
-          <p:cNvPr id="2" name="Content Placeholder 1">
-            <a:extLst>
-              <a:ext uri="{FF2B5EF4-FFF2-40B4-BE49-F238E27FC236}">
                 <a16:creationId xmlns:a16="http://schemas.microsoft.com/office/drawing/2014/main" id="{5D8DE769-5F95-96A8-DC47-75FA28711A6B}"/>
               </a:ext>
             </a:extLst>
@@ -9987,7 +9695,7 @@
           <a:p>
             <a:fld id="{95C605C4-1F5B-4B2B-8458-3FC432AF1FAC}" type="slidenum">
               <a:rPr lang="en-US" smtClean="0"/>
-              <a:t>22</a:t>
+              <a:t>20</a:t>
             </a:fld>
             <a:endParaRPr lang="en-US"/>
           </a:p>
@@ -10029,147 +9737,6 @@
           <p:cNvPr id="2" name="Content Placeholder 1">
             <a:extLst>
               <a:ext uri="{FF2B5EF4-FFF2-40B4-BE49-F238E27FC236}">
-                <a16:creationId xmlns:a16="http://schemas.microsoft.com/office/drawing/2014/main" id="{D77FE2FC-E499-8581-8C8B-B911F45631FC}"/>
-              </a:ext>
-            </a:extLst>
-          </p:cNvPr>
-          <p:cNvSpPr>
-            <a:spLocks noGrp="1"/>
-          </p:cNvSpPr>
-          <p:nvPr>
-            <p:ph idx="1"/>
-          </p:nvPr>
-        </p:nvSpPr>
-        <p:spPr/>
-        <p:txBody>
-          <a:bodyPr/>
-          <a:lstStyle/>
-          <a:p>
-            <a:r>
-              <a:rPr lang="en-SG" dirty="0"/>
-              <a:t>Scalability and performance</a:t>
-            </a:r>
-          </a:p>
-          <a:p>
-            <a:r>
-              <a:rPr lang="en-SG" dirty="0"/>
-              <a:t>Transaction support</a:t>
-            </a:r>
-          </a:p>
-          <a:p>
-            <a:r>
-              <a:rPr lang="en-SG" dirty="0"/>
-              <a:t>Support for diverse data formats</a:t>
-            </a:r>
-          </a:p>
-          <a:p>
-            <a:r>
-              <a:rPr lang="en-SG" dirty="0"/>
-              <a:t>Support for diverse workloads</a:t>
-            </a:r>
-          </a:p>
-          <a:p>
-            <a:r>
-              <a:rPr lang="en-SG" dirty="0"/>
-              <a:t>Openness</a:t>
-            </a:r>
-          </a:p>
-        </p:txBody>
-      </p:sp>
-      <p:sp>
-        <p:nvSpPr>
-          <p:cNvPr id="3" name="Title 2">
-            <a:extLst>
-              <a:ext uri="{FF2B5EF4-FFF2-40B4-BE49-F238E27FC236}">
-                <a16:creationId xmlns:a16="http://schemas.microsoft.com/office/drawing/2014/main" id="{D438D322-D53D-95A1-45BF-A608BF09DB50}"/>
-              </a:ext>
-            </a:extLst>
-          </p:cNvPr>
-          <p:cNvSpPr>
-            <a:spLocks noGrp="1"/>
-          </p:cNvSpPr>
-          <p:nvPr>
-            <p:ph type="title"/>
-          </p:nvPr>
-        </p:nvSpPr>
-        <p:spPr/>
-        <p:txBody>
-          <a:bodyPr/>
-          <a:lstStyle/>
-          <a:p>
-            <a:r>
-              <a:rPr lang="en-US" dirty="0"/>
-              <a:t>The Importance of an Optimal Storage Solution</a:t>
-            </a:r>
-            <a:endParaRPr lang="en-SG" dirty="0"/>
-          </a:p>
-        </p:txBody>
-      </p:sp>
-      <p:sp>
-        <p:nvSpPr>
-          <p:cNvPr id="4" name="Slide Number Placeholder 3">
-            <a:extLst>
-              <a:ext uri="{FF2B5EF4-FFF2-40B4-BE49-F238E27FC236}">
-                <a16:creationId xmlns:a16="http://schemas.microsoft.com/office/drawing/2014/main" id="{E1BE1BA0-85E0-6E61-246A-871643662478}"/>
-              </a:ext>
-            </a:extLst>
-          </p:cNvPr>
-          <p:cNvSpPr>
-            <a:spLocks noGrp="1"/>
-          </p:cNvSpPr>
-          <p:nvPr>
-            <p:ph type="sldNum" sz="quarter" idx="10"/>
-          </p:nvPr>
-        </p:nvSpPr>
-        <p:spPr/>
-        <p:txBody>
-          <a:bodyPr/>
-          <a:lstStyle/>
-          <a:p>
-            <a:fld id="{95C605C4-1F5B-4B2B-8458-3FC432AF1FAC}" type="slidenum">
-              <a:rPr lang="en-US" smtClean="0"/>
-              <a:t>3</a:t>
-            </a:fld>
-            <a:endParaRPr lang="en-US"/>
-          </a:p>
-        </p:txBody>
-      </p:sp>
-    </p:spTree>
-    <p:extLst>
-      <p:ext uri="{BB962C8B-B14F-4D97-AF65-F5344CB8AC3E}">
-        <p14:creationId xmlns:p14="http://schemas.microsoft.com/office/powerpoint/2010/main" val="2001820706"/>
-      </p:ext>
-    </p:extLst>
-  </p:cSld>
-  <p:clrMapOvr>
-    <a:masterClrMapping/>
-  </p:clrMapOvr>
-  <p:transition/>
-</p:sld>
-</file>
-
-<file path=ppt/slides/slide4.xml><?xml version="1.0" encoding="utf-8"?>
-<p:sld xmlns:a="http://schemas.openxmlformats.org/drawingml/2006/main" xmlns:r="http://schemas.openxmlformats.org/officeDocument/2006/relationships" xmlns:p="http://schemas.openxmlformats.org/presentationml/2006/main">
-  <p:cSld>
-    <p:spTree>
-      <p:nvGrpSpPr>
-        <p:cNvPr id="1" name=""/>
-        <p:cNvGrpSpPr/>
-        <p:nvPr/>
-      </p:nvGrpSpPr>
-      <p:grpSpPr>
-        <a:xfrm>
-          <a:off x="0" y="0"/>
-          <a:ext cx="0" cy="0"/>
-          <a:chOff x="0" y="0"/>
-          <a:chExt cx="0" cy="0"/>
-        </a:xfrm>
-      </p:grpSpPr>
-      <p:sp>
-        <p:nvSpPr>
-          <p:cNvPr id="2" name="Content Placeholder 1">
-            <a:extLst>
-              <a:ext uri="{FF2B5EF4-FFF2-40B4-BE49-F238E27FC236}">
                 <a16:creationId xmlns:a16="http://schemas.microsoft.com/office/drawing/2014/main" id="{4A43B9AA-82D8-8170-1B5D-D66D2EBA94BF}"/>
               </a:ext>
             </a:extLst>
@@ -10320,7 +9887,7 @@
           <a:p>
             <a:fld id="{95C605C4-1F5B-4B2B-8458-3FC432AF1FAC}" type="slidenum">
               <a:rPr lang="en-US" smtClean="0"/>
-              <a:t>4</a:t>
+              <a:t>3</a:t>
             </a:fld>
             <a:endParaRPr lang="en-US"/>
           </a:p>
@@ -10340,7 +9907,7 @@
 </p:sld>
 </file>
 
-<file path=ppt/slides/slide5.xml><?xml version="1.0" encoding="utf-8"?>
+<file path=ppt/slides/slide4.xml><?xml version="1.0" encoding="utf-8"?>
 <p:sld xmlns:a="http://schemas.openxmlformats.org/drawingml/2006/main" xmlns:r="http://schemas.openxmlformats.org/officeDocument/2006/relationships" xmlns:p="http://schemas.openxmlformats.org/presentationml/2006/main">
   <p:cSld>
     <p:spTree>
@@ -10442,7 +10009,7 @@
           <a:p>
             <a:fld id="{95C605C4-1F5B-4B2B-8458-3FC432AF1FAC}" type="slidenum">
               <a:rPr lang="en-US" smtClean="0"/>
-              <a:t>5</a:t>
+              <a:t>4</a:t>
             </a:fld>
             <a:endParaRPr lang="en-US"/>
           </a:p>
@@ -10492,7 +10059,7 @@
 </p:sld>
 </file>
 
-<file path=ppt/slides/slide6.xml><?xml version="1.0" encoding="utf-8"?>
+<file path=ppt/slides/slide5.xml><?xml version="1.0" encoding="utf-8"?>
 <p:sld xmlns:a="http://schemas.openxmlformats.org/drawingml/2006/main" xmlns:r="http://schemas.openxmlformats.org/officeDocument/2006/relationships" xmlns:p="http://schemas.openxmlformats.org/presentationml/2006/main">
   <p:cSld>
     <p:spTree>
@@ -10589,7 +10156,7 @@
           <a:p>
             <a:fld id="{95C605C4-1F5B-4B2B-8458-3FC432AF1FAC}" type="slidenum">
               <a:rPr lang="en-US" smtClean="0"/>
-              <a:t>6</a:t>
+              <a:t>5</a:t>
             </a:fld>
             <a:endParaRPr lang="en-US"/>
           </a:p>
@@ -10609,7 +10176,7 @@
 </p:sld>
 </file>
 
-<file path=ppt/slides/slide7.xml><?xml version="1.0" encoding="utf-8"?>
+<file path=ppt/slides/slide6.xml><?xml version="1.0" encoding="utf-8"?>
 <p:sld xmlns:a="http://schemas.openxmlformats.org/drawingml/2006/main" xmlns:r="http://schemas.openxmlformats.org/officeDocument/2006/relationships" xmlns:p="http://schemas.openxmlformats.org/presentationml/2006/main">
   <p:cSld>
     <p:spTree>
@@ -10786,7 +10353,7 @@
           <a:p>
             <a:fld id="{95C605C4-1F5B-4B2B-8458-3FC432AF1FAC}" type="slidenum">
               <a:rPr lang="en-US" smtClean="0"/>
-              <a:t>7</a:t>
+              <a:t>6</a:t>
             </a:fld>
             <a:endParaRPr lang="en-US"/>
           </a:p>
@@ -10806,7 +10373,7 @@
 </p:sld>
 </file>
 
-<file path=ppt/slides/slide8.xml><?xml version="1.0" encoding="utf-8"?>
+<file path=ppt/slides/slide7.xml><?xml version="1.0" encoding="utf-8"?>
 <p:sld xmlns:a="http://schemas.openxmlformats.org/drawingml/2006/main" xmlns:r="http://schemas.openxmlformats.org/officeDocument/2006/relationships" xmlns:p="http://schemas.openxmlformats.org/presentationml/2006/main">
   <p:cSld>
     <p:spTree>
@@ -10934,7 +10501,7 @@
           <a:p>
             <a:fld id="{95C605C4-1F5B-4B2B-8458-3FC432AF1FAC}" type="slidenum">
               <a:rPr lang="en-US" smtClean="0"/>
-              <a:t>8</a:t>
+              <a:t>7</a:t>
             </a:fld>
             <a:endParaRPr lang="en-US"/>
           </a:p>
@@ -10984,7 +10551,7 @@
 </p:sld>
 </file>
 
-<file path=ppt/slides/slide9.xml><?xml version="1.0" encoding="utf-8"?>
+<file path=ppt/slides/slide8.xml><?xml version="1.0" encoding="utf-8"?>
 <p:sld xmlns:a="http://schemas.openxmlformats.org/drawingml/2006/main" xmlns:r="http://schemas.openxmlformats.org/officeDocument/2006/relationships" xmlns:p="http://schemas.openxmlformats.org/presentationml/2006/main">
   <p:cSld>
     <p:spTree>
@@ -11182,7 +10749,7 @@
           <a:p>
             <a:fld id="{95C605C4-1F5B-4B2B-8458-3FC432AF1FAC}" type="slidenum">
               <a:rPr lang="en-US" smtClean="0"/>
-              <a:t>9</a:t>
+              <a:t>8</a:t>
             </a:fld>
             <a:endParaRPr lang="en-US"/>
           </a:p>
@@ -11192,6 +10759,187 @@
     <p:extLst>
       <p:ext uri="{BB962C8B-B14F-4D97-AF65-F5344CB8AC3E}">
         <p14:creationId xmlns:p14="http://schemas.microsoft.com/office/powerpoint/2010/main" val="4189118042"/>
+      </p:ext>
+    </p:extLst>
+  </p:cSld>
+  <p:clrMapOvr>
+    <a:masterClrMapping/>
+  </p:clrMapOvr>
+  <p:transition/>
+</p:sld>
+</file>
+
+<file path=ppt/slides/slide9.xml><?xml version="1.0" encoding="utf-8"?>
+<p:sld xmlns:a="http://schemas.openxmlformats.org/drawingml/2006/main" xmlns:r="http://schemas.openxmlformats.org/officeDocument/2006/relationships" xmlns:p="http://schemas.openxmlformats.org/presentationml/2006/main">
+  <p:cSld>
+    <p:spTree>
+      <p:nvGrpSpPr>
+        <p:cNvPr id="1" name=""/>
+        <p:cNvGrpSpPr/>
+        <p:nvPr/>
+      </p:nvGrpSpPr>
+      <p:grpSpPr>
+        <a:xfrm>
+          <a:off x="0" y="0"/>
+          <a:ext cx="0" cy="0"/>
+          <a:chOff x="0" y="0"/>
+          <a:chExt cx="0" cy="0"/>
+        </a:xfrm>
+      </p:grpSpPr>
+      <p:sp>
+        <p:nvSpPr>
+          <p:cNvPr id="2" name="Content Placeholder 1">
+            <a:extLst>
+              <a:ext uri="{FF2B5EF4-FFF2-40B4-BE49-F238E27FC236}">
+                <a16:creationId xmlns:a16="http://schemas.microsoft.com/office/drawing/2014/main" id="{2C0378FB-DF61-D5D5-2FCD-45E9528FD05B}"/>
+              </a:ext>
+            </a:extLst>
+          </p:cNvPr>
+          <p:cNvSpPr>
+            <a:spLocks noGrp="1"/>
+          </p:cNvSpPr>
+          <p:nvPr>
+            <p:ph idx="1"/>
+          </p:nvPr>
+        </p:nvSpPr>
+        <p:spPr/>
+        <p:txBody>
+          <a:bodyPr>
+            <a:normAutofit/>
+          </a:bodyPr>
+          <a:lstStyle/>
+          <a:p>
+            <a:r>
+              <a:rPr lang="en-US" dirty="0"/>
+              <a:t>Pros</a:t>
+            </a:r>
+          </a:p>
+          <a:p>
+            <a:pPr lvl="1"/>
+            <a:r>
+              <a:rPr lang="en-US" dirty="0"/>
+              <a:t>Flexibility on choosing storage, data format and processing engines</a:t>
+            </a:r>
+          </a:p>
+          <a:p>
+            <a:pPr lvl="1"/>
+            <a:r>
+              <a:rPr lang="en-US" dirty="0"/>
+              <a:t>A much cheaper solution than databases </a:t>
+            </a:r>
+            <a:r>
+              <a:rPr lang="en-US" dirty="0">
+                <a:sym typeface="Wingdings" panose="05000000000000000000" pitchFamily="2" charset="2"/>
+              </a:rPr>
+              <a:t> explosive growth of the big data ecosystem</a:t>
+            </a:r>
+          </a:p>
+          <a:p>
+            <a:pPr lvl="1"/>
+            <a:endParaRPr lang="en-US" dirty="0"/>
+          </a:p>
+          <a:p>
+            <a:r>
+              <a:rPr lang="en-US" dirty="0"/>
+              <a:t>Cons: </a:t>
+            </a:r>
+          </a:p>
+          <a:p>
+            <a:pPr lvl="1"/>
+            <a:r>
+              <a:rPr lang="en-US" dirty="0"/>
+              <a:t>Fail to provide ACID guarantees</a:t>
+            </a:r>
+          </a:p>
+          <a:p>
+            <a:pPr lvl="1"/>
+            <a:r>
+              <a:rPr lang="en-US" dirty="0"/>
+              <a:t>Building and maintaining an effective data lake requires expert skills</a:t>
+            </a:r>
+          </a:p>
+          <a:p>
+            <a:pPr lvl="1"/>
+            <a:r>
+              <a:rPr lang="en-US" dirty="0"/>
+              <a:t>Easy to ingest data but very expensive to transform data to deliver business values</a:t>
+            </a:r>
+          </a:p>
+          <a:p>
+            <a:pPr lvl="1"/>
+            <a:r>
+              <a:rPr lang="en-US" dirty="0"/>
+              <a:t>Data quality issues due to the lack of schema enforcement</a:t>
+            </a:r>
+          </a:p>
+          <a:p>
+            <a:pPr lvl="1"/>
+            <a:endParaRPr lang="en-SG" dirty="0"/>
+          </a:p>
+        </p:txBody>
+      </p:sp>
+      <p:sp>
+        <p:nvSpPr>
+          <p:cNvPr id="3" name="Title 2">
+            <a:extLst>
+              <a:ext uri="{FF2B5EF4-FFF2-40B4-BE49-F238E27FC236}">
+                <a16:creationId xmlns:a16="http://schemas.microsoft.com/office/drawing/2014/main" id="{45D04AE2-78C6-7842-FEBC-AFCF2C128AA9}"/>
+              </a:ext>
+            </a:extLst>
+          </p:cNvPr>
+          <p:cNvSpPr>
+            <a:spLocks noGrp="1"/>
+          </p:cNvSpPr>
+          <p:nvPr>
+            <p:ph type="title"/>
+          </p:nvPr>
+        </p:nvSpPr>
+        <p:spPr/>
+        <p:txBody>
+          <a:bodyPr/>
+          <a:lstStyle/>
+          <a:p>
+            <a:r>
+              <a:rPr lang="en-US" dirty="0"/>
+              <a:t>Data Lakes</a:t>
+            </a:r>
+            <a:endParaRPr lang="en-SG" dirty="0"/>
+          </a:p>
+        </p:txBody>
+      </p:sp>
+      <p:sp>
+        <p:nvSpPr>
+          <p:cNvPr id="4" name="Slide Number Placeholder 3">
+            <a:extLst>
+              <a:ext uri="{FF2B5EF4-FFF2-40B4-BE49-F238E27FC236}">
+                <a16:creationId xmlns:a16="http://schemas.microsoft.com/office/drawing/2014/main" id="{C3CF42FB-A953-8705-6B04-67D2580DAFA6}"/>
+              </a:ext>
+            </a:extLst>
+          </p:cNvPr>
+          <p:cNvSpPr>
+            <a:spLocks noGrp="1"/>
+          </p:cNvSpPr>
+          <p:nvPr>
+            <p:ph type="sldNum" sz="quarter" idx="10"/>
+          </p:nvPr>
+        </p:nvSpPr>
+        <p:spPr/>
+        <p:txBody>
+          <a:bodyPr/>
+          <a:lstStyle/>
+          <a:p>
+            <a:fld id="{95C605C4-1F5B-4B2B-8458-3FC432AF1FAC}" type="slidenum">
+              <a:rPr lang="en-US" smtClean="0"/>
+              <a:t>9</a:t>
+            </a:fld>
+            <a:endParaRPr lang="en-US"/>
+          </a:p>
+        </p:txBody>
+      </p:sp>
+    </p:spTree>
+    <p:extLst>
+      <p:ext uri="{BB962C8B-B14F-4D97-AF65-F5344CB8AC3E}">
+        <p14:creationId xmlns:p14="http://schemas.microsoft.com/office/powerpoint/2010/main" val="1357595101"/>
       </p:ext>
     </p:extLst>
   </p:cSld>
